--- a/presentation.pptx
+++ b/presentation.pptx
@@ -241,7 +241,7 @@
           <a:p>
             <a:fld id="{0248B25D-8766-427E-8C9E-4845048D8DFC}" type="datetimeFigureOut">
               <a:rPr lang="en-US" smtClean="0"/>
-              <a:t>4/23/2021</a:t>
+              <a:t>7/21/2021</a:t>
             </a:fld>
             <a:endParaRPr lang="en-US" dirty="0"/>
           </a:p>
@@ -418,7 +418,7 @@
           <a:p>
             <a:fld id="{426F439B-391B-4B41-826A-951FCF412C34}" type="datetimeFigureOut">
               <a:rPr lang="en-US" smtClean="0"/>
-              <a:t>4/23/2021</a:t>
+              <a:t>7/21/2021</a:t>
             </a:fld>
             <a:endParaRPr lang="en-US" dirty="0"/>
           </a:p>
@@ -17696,7 +17696,7 @@
           <a:p>
             <a:r>
               <a:rPr lang="en-US" dirty="0"/>
-              <a:t>A guide for real estate tycoons purchasing houses</a:t>
+              <a:t>A guide for high earning civilians purchasing houses</a:t>
             </a:r>
           </a:p>
           <a:p>
@@ -17834,7 +17834,7 @@
           <a:p>
             <a:r>
               <a:rPr lang="en-IN" dirty="0"/>
-              <a:t>For more information, contact at Vinayak.modgil@gmail.com</a:t>
+              <a:t>For more information, contact at vinayak.modgil@gmail.com</a:t>
             </a:r>
           </a:p>
         </p:txBody>
@@ -17932,7 +17932,7 @@
           <a:p>
             <a:r>
               <a:rPr lang="en-US" sz="2400" b="1" dirty="0"/>
-              <a:t>Objective: Provide 3 recommendations for real estate tycoons purchasing homes in King County.</a:t>
+              <a:t>Objective: Finding the features that affect the pricing of the houses in KC.</a:t>
             </a:r>
           </a:p>
         </p:txBody>
@@ -17967,7 +17967,7 @@
           <a:p>
             <a:r>
               <a:rPr lang="en-US" sz="2400" b="1" dirty="0"/>
-              <a:t>Goal: Maximum profit while selling houses</a:t>
+              <a:t>Goal: Picking out houses that are on the hold high value.</a:t>
             </a:r>
           </a:p>
         </p:txBody>
@@ -18869,7 +18869,7 @@
                   <a:srgbClr val="5DAAB0"/>
                 </a:solidFill>
               </a:rPr>
-              <a:t>- Higher grade and large area means better value</a:t>
+              <a:t>- Higher grade and large area means higher value</a:t>
             </a:r>
           </a:p>
         </p:txBody>
@@ -19163,7 +19163,7 @@
             </a:r>
             <a:r>
               <a:rPr lang="en-US" dirty="0"/>
-              <a:t> area above basement, as they hold the most value.</a:t>
+              <a:t> area above basement.</a:t>
             </a:r>
           </a:p>
         </p:txBody>
@@ -19204,7 +19204,7 @@
             </a:r>
             <a:r>
               <a:rPr lang="en-US" dirty="0"/>
-              <a:t> and having a basement will hold tremendous value in the future.</a:t>
+              <a:t>.</a:t>
             </a:r>
           </a:p>
         </p:txBody>
@@ -19233,7 +19233,7 @@
         </p:spPr>
         <p:txBody>
           <a:bodyPr>
-            <a:normAutofit fontScale="92500"/>
+            <a:normAutofit lnSpcReduction="10000"/>
           </a:bodyPr>
           <a:lstStyle/>
           <a:p>
@@ -19247,7 +19247,7 @@
             </a:r>
             <a:r>
               <a:rPr lang="en-US" dirty="0"/>
-              <a:t> above ground) will be profitable while selling the houses to future house owners.</a:t>
+              <a:t> above ground) will be on the expensive side.</a:t>
             </a:r>
           </a:p>
           <a:p>
